--- a/Azure Sentinel - Deployment, Detection & Response - AliAhmedDar.pptx
+++ b/Azure Sentinel - Deployment, Detection & Response - AliAhmedDar.pptx
@@ -301,7 +301,7 @@
           <a:p>
             <a:fld id="{02AC24A9-CCB6-4F8D-B8DB-C2F3692CFA5A}" type="datetimeFigureOut">
               <a:rPr lang="en-US" smtClean="0"/>
-              <a:t>1/6/2024</a:t>
+              <a:t>1/7/2024</a:t>
             </a:fld>
             <a:endParaRPr lang="en-US"/>
           </a:p>
@@ -670,7 +670,7 @@
           <a:p>
             <a:fld id="{02AC24A9-CCB6-4F8D-B8DB-C2F3692CFA5A}" type="datetimeFigureOut">
               <a:rPr lang="en-US" smtClean="0"/>
-              <a:t>1/6/2024</a:t>
+              <a:t>1/7/2024</a:t>
             </a:fld>
             <a:endParaRPr lang="en-US"/>
           </a:p>
@@ -878,7 +878,7 @@
           <a:p>
             <a:fld id="{02AC24A9-CCB6-4F8D-B8DB-C2F3692CFA5A}" type="datetimeFigureOut">
               <a:rPr lang="en-US" smtClean="0"/>
-              <a:t>1/6/2024</a:t>
+              <a:t>1/7/2024</a:t>
             </a:fld>
             <a:endParaRPr lang="en-US"/>
           </a:p>
@@ -1348,7 +1348,7 @@
           <a:p>
             <a:fld id="{02AC24A9-CCB6-4F8D-B8DB-C2F3692CFA5A}" type="datetimeFigureOut">
               <a:rPr lang="en-US" smtClean="0"/>
-              <a:t>1/6/2024</a:t>
+              <a:t>1/7/2024</a:t>
             </a:fld>
             <a:endParaRPr lang="en-US"/>
           </a:p>
@@ -1802,7 +1802,7 @@
           <a:p>
             <a:fld id="{02AC24A9-CCB6-4F8D-B8DB-C2F3692CFA5A}" type="datetimeFigureOut">
               <a:rPr lang="en-US" smtClean="0"/>
-              <a:t>1/6/2024</a:t>
+              <a:t>1/7/2024</a:t>
             </a:fld>
             <a:endParaRPr lang="en-US"/>
           </a:p>
@@ -2334,7 +2334,7 @@
           <a:p>
             <a:fld id="{02AC24A9-CCB6-4F8D-B8DB-C2F3692CFA5A}" type="datetimeFigureOut">
               <a:rPr lang="en-US" smtClean="0"/>
-              <a:t>1/6/2024</a:t>
+              <a:t>1/7/2024</a:t>
             </a:fld>
             <a:endParaRPr lang="en-US"/>
           </a:p>
@@ -3033,7 +3033,7 @@
           <a:p>
             <a:fld id="{02AC24A9-CCB6-4F8D-B8DB-C2F3692CFA5A}" type="datetimeFigureOut">
               <a:rPr lang="en-US" smtClean="0"/>
-              <a:t>1/6/2024</a:t>
+              <a:t>1/7/2024</a:t>
             </a:fld>
             <a:endParaRPr lang="en-US"/>
           </a:p>
@@ -3362,7 +3362,7 @@
           <a:p>
             <a:fld id="{02AC24A9-CCB6-4F8D-B8DB-C2F3692CFA5A}" type="datetimeFigureOut">
               <a:rPr lang="en-US" smtClean="0"/>
-              <a:t>1/6/2024</a:t>
+              <a:t>1/7/2024</a:t>
             </a:fld>
             <a:endParaRPr lang="en-US"/>
           </a:p>
@@ -3475,7 +3475,7 @@
           <a:p>
             <a:fld id="{02AC24A9-CCB6-4F8D-B8DB-C2F3692CFA5A}" type="datetimeFigureOut">
               <a:rPr lang="en-US" smtClean="0"/>
-              <a:t>1/6/2024</a:t>
+              <a:t>1/7/2024</a:t>
             </a:fld>
             <a:endParaRPr lang="en-US"/>
           </a:p>
@@ -3970,7 +3970,7 @@
           <a:p>
             <a:fld id="{02AC24A9-CCB6-4F8D-B8DB-C2F3692CFA5A}" type="datetimeFigureOut">
               <a:rPr lang="en-US" smtClean="0"/>
-              <a:t>1/6/2024</a:t>
+              <a:t>1/7/2024</a:t>
             </a:fld>
             <a:endParaRPr lang="en-US"/>
           </a:p>
@@ -4447,7 +4447,7 @@
           <a:p>
             <a:fld id="{02AC24A9-CCB6-4F8D-B8DB-C2F3692CFA5A}" type="datetimeFigureOut">
               <a:rPr lang="en-US" smtClean="0"/>
-              <a:t>1/6/2024</a:t>
+              <a:t>1/7/2024</a:t>
             </a:fld>
             <a:endParaRPr lang="en-US"/>
           </a:p>
@@ -4688,7 +4688,7 @@
           <a:p>
             <a:fld id="{02AC24A9-CCB6-4F8D-B8DB-C2F3692CFA5A}" type="datetimeFigureOut">
               <a:rPr lang="en-US" smtClean="0"/>
-              <a:t>1/6/2024</a:t>
+              <a:t>1/7/2024</a:t>
             </a:fld>
             <a:endParaRPr lang="en-US"/>
           </a:p>
@@ -5792,7 +5792,7 @@
               </a:lnSpc>
             </a:pPr>
             <a:r>
-              <a:rPr lang="en-US" sz="1200"/>
+              <a:rPr lang="en-US" sz="1200" dirty="0"/>
               <a:t>For this demo, I am using my Windows Host, which needs to have Azure ARC agent installed. This will be done by installing an agent on your windows host with the help of the script generated in Azure ARC onboarding.</a:t>
             </a:r>
           </a:p>
@@ -6075,10 +6075,10 @@
       </p:pic>
       <p:pic>
         <p:nvPicPr>
-          <p:cNvPr id="7" name="Picture 7" descr="Text&#10;&#10;Description automatically generated">
-            <a:extLst>
-              <a:ext uri="{FF2B5EF4-FFF2-40B4-BE49-F238E27FC236}">
-                <a16:creationId xmlns:a16="http://schemas.microsoft.com/office/drawing/2014/main" id="{B50D822C-B91A-C51C-68AE-F218A2D3239C}"/>
+          <p:cNvPr id="8" name="Picture 8" descr="Graphical user interface, application&#10;&#10;Description automatically generated">
+            <a:extLst>
+              <a:ext uri="{FF2B5EF4-FFF2-40B4-BE49-F238E27FC236}">
+                <a16:creationId xmlns:a16="http://schemas.microsoft.com/office/drawing/2014/main" id="{A77F47AA-EF92-104B-DD90-3EC5DD385696}"/>
               </a:ext>
             </a:extLst>
           </p:cNvPr>
@@ -6087,16 +6087,15 @@
           </p:cNvPicPr>
           <p:nvPr/>
         </p:nvPicPr>
-        <p:blipFill>
+        <p:blipFill rotWithShape="1">
           <a:blip r:embed="rId4"/>
-          <a:stretch>
-            <a:fillRect/>
-          </a:stretch>
+          <a:srcRect r="36770" b="641"/>
+          <a:stretch/>
         </p:blipFill>
         <p:spPr>
           <a:xfrm>
-            <a:off x="8549323" y="3588085"/>
-            <a:ext cx="3060304" cy="2815675"/>
+            <a:off x="4976115" y="377415"/>
+            <a:ext cx="3051571" cy="2829632"/>
           </a:xfrm>
           <a:prstGeom prst="rect">
             <a:avLst/>
@@ -6119,10 +6118,10 @@
       </p:pic>
       <p:pic>
         <p:nvPicPr>
-          <p:cNvPr id="8" name="Picture 8" descr="Graphical user interface, application&#10;&#10;Description automatically generated">
-            <a:extLst>
-              <a:ext uri="{FF2B5EF4-FFF2-40B4-BE49-F238E27FC236}">
-                <a16:creationId xmlns:a16="http://schemas.microsoft.com/office/drawing/2014/main" id="{A77F47AA-EF92-104B-DD90-3EC5DD385696}"/>
+          <p:cNvPr id="9" name="Picture 8">
+            <a:extLst>
+              <a:ext uri="{FF2B5EF4-FFF2-40B4-BE49-F238E27FC236}">
+                <a16:creationId xmlns:a16="http://schemas.microsoft.com/office/drawing/2014/main" id="{D3462DA8-76AB-EEFC-6B2C-2282B2296A9A}"/>
               </a:ext>
             </a:extLst>
           </p:cNvPr>
@@ -6131,15 +6130,16 @@
           </p:cNvPicPr>
           <p:nvPr/>
         </p:nvPicPr>
-        <p:blipFill rotWithShape="1">
+        <p:blipFill>
           <a:blip r:embed="rId5"/>
-          <a:srcRect r="36770" b="641"/>
-          <a:stretch/>
+          <a:stretch>
+            <a:fillRect/>
+          </a:stretch>
         </p:blipFill>
         <p:spPr>
           <a:xfrm>
-            <a:off x="5006624" y="382005"/>
-            <a:ext cx="3051571" cy="2829632"/>
+            <a:off x="8513567" y="3582077"/>
+            <a:ext cx="3050675" cy="2822627"/>
           </a:xfrm>
           <a:prstGeom prst="rect">
             <a:avLst/>
@@ -6475,7 +6475,7 @@
           <a:lstStyle/>
           <a:p>
             <a:r>
-              <a:rPr lang="en-US" sz="4800"/>
+              <a:rPr lang="en-US" sz="4800" dirty="0"/>
               <a:t>6.3 Verify logs </a:t>
             </a:r>
           </a:p>
@@ -7103,11 +7103,11 @@
               </a:lnSpc>
             </a:pPr>
             <a:r>
-              <a:rPr lang="en-US" sz="1500"/>
+              <a:rPr lang="en-US" sz="1500" dirty="0"/>
               <a:t>But the logs need to be parsed using </a:t>
             </a:r>
             <a:r>
-              <a:rPr lang="en-US" sz="1500">
+              <a:rPr lang="en-US" sz="1500" dirty="0">
                 <a:ea typeface="+mn-lt"/>
                 <a:cs typeface="+mn-lt"/>
                 <a:hlinkClick r:id="rId2"/>
@@ -7115,15 +7115,15 @@
               <a:t>ASIM parsers</a:t>
             </a:r>
             <a:r>
-              <a:rPr lang="en-US" sz="1500"/>
+              <a:rPr lang="en-US" sz="1500" dirty="0"/>
               <a:t>, I have written my own for </a:t>
             </a:r>
             <a:r>
-              <a:rPr lang="en-US" sz="1500" err="1"/>
+              <a:rPr lang="en-US" sz="1500" dirty="0" err="1"/>
               <a:t>ProcessCreation</a:t>
             </a:r>
             <a:r>
-              <a:rPr lang="en-US" sz="1500"/>
+              <a:rPr lang="en-US" sz="1500" dirty="0"/>
               <a:t> event currently, which you can save as function and call as a separate table</a:t>
             </a:r>
           </a:p>
@@ -7382,8 +7382,8 @@
         </p:blipFill>
         <p:spPr>
           <a:xfrm>
-            <a:off x="6052457" y="179246"/>
-            <a:ext cx="5889172" cy="3603910"/>
+            <a:off x="6095999" y="179246"/>
+            <a:ext cx="5845629" cy="3577264"/>
           </a:xfrm>
           <a:prstGeom prst="rect">
             <a:avLst/>
@@ -7759,37 +7759,37 @@
               </a:lnSpc>
             </a:pPr>
             <a:r>
-              <a:rPr lang="en-US" sz="1300"/>
+              <a:rPr lang="en-US" sz="1300" dirty="0"/>
               <a:t>Now that we are receiving logs, we can create </a:t>
             </a:r>
             <a:r>
-              <a:rPr lang="en-US" sz="1300">
+              <a:rPr lang="en-US" sz="1300" dirty="0">
                 <a:hlinkClick r:id="rId2"/>
               </a:rPr>
               <a:t>custom detection rules</a:t>
             </a:r>
             <a:r>
-              <a:rPr lang="en-US" sz="1300"/>
+              <a:rPr lang="en-US" sz="1300" dirty="0"/>
               <a:t> along with </a:t>
             </a:r>
             <a:r>
-              <a:rPr lang="en-US" sz="1300">
+              <a:rPr lang="en-US" sz="1300" dirty="0">
                 <a:hlinkClick r:id="rId3"/>
               </a:rPr>
               <a:t>built-in rules</a:t>
             </a:r>
             <a:r>
-              <a:rPr lang="en-US" sz="1300"/>
+              <a:rPr lang="en-US" sz="1300" dirty="0"/>
               <a:t> on top of this through Sentinel Analytics Rules which are based on </a:t>
             </a:r>
             <a:r>
-              <a:rPr lang="en-US" sz="1300">
+              <a:rPr lang="en-US" sz="1300" dirty="0">
                 <a:hlinkClick r:id="rId4"/>
               </a:rPr>
               <a:t>KQL -  Kusto Query Language</a:t>
             </a:r>
             <a:r>
-              <a:rPr lang="en-US" sz="1300"/>
+              <a:rPr lang="en-US" sz="1300" dirty="0"/>
               <a:t>.</a:t>
             </a:r>
           </a:p>
@@ -7930,50 +7930,6 @@
           </a:effectLst>
         </p:spPr>
       </p:pic>
-      <p:pic>
-        <p:nvPicPr>
-          <p:cNvPr id="5" name="Picture 5" descr="Graphical user interface, text, application, email&#10;&#10;Description automatically generated">
-            <a:extLst>
-              <a:ext uri="{FF2B5EF4-FFF2-40B4-BE49-F238E27FC236}">
-                <a16:creationId xmlns:a16="http://schemas.microsoft.com/office/drawing/2014/main" id="{931FDCAF-9412-FB4F-8318-A14B8C19FF82}"/>
-              </a:ext>
-            </a:extLst>
-          </p:cNvPr>
-          <p:cNvPicPr>
-            <a:picLocks noChangeAspect="1"/>
-          </p:cNvPicPr>
-          <p:nvPr/>
-        </p:nvPicPr>
-        <p:blipFill>
-          <a:blip r:embed="rId6"/>
-          <a:stretch>
-            <a:fillRect/>
-          </a:stretch>
-        </p:blipFill>
-        <p:spPr>
-          <a:xfrm>
-            <a:off x="6992881" y="829345"/>
-            <a:ext cx="4952738" cy="5160264"/>
-          </a:xfrm>
-          <a:prstGeom prst="rect">
-            <a:avLst/>
-          </a:prstGeom>
-          <a:ln w="38100" cap="sq">
-            <a:solidFill>
-              <a:srgbClr val="000000"/>
-            </a:solidFill>
-            <a:prstDash val="solid"/>
-            <a:miter lim="800000"/>
-          </a:ln>
-          <a:effectLst>
-            <a:outerShdw blurRad="50800" dist="38100" dir="2700000" algn="tl" rotWithShape="0">
-              <a:srgbClr val="000000">
-                <a:alpha val="43000"/>
-              </a:srgbClr>
-            </a:outerShdw>
-          </a:effectLst>
-        </p:spPr>
-      </p:pic>
       <p:sp>
         <p:nvSpPr>
           <p:cNvPr id="31" name="Rectangle 30">
@@ -8085,7 +8041,7 @@
           <p:nvPr/>
         </p:nvPicPr>
         <p:blipFill>
-          <a:blip r:embed="rId7"/>
+          <a:blip r:embed="rId6"/>
           <a:stretch>
             <a:fillRect/>
           </a:stretch>
@@ -8112,6 +8068,42 @@
               </a:srgbClr>
             </a:outerShdw>
           </a:effectLst>
+        </p:spPr>
+      </p:pic>
+      <p:pic>
+        <p:nvPicPr>
+          <p:cNvPr id="8" name="Picture 7">
+            <a:extLst>
+              <a:ext uri="{FF2B5EF4-FFF2-40B4-BE49-F238E27FC236}">
+                <a16:creationId xmlns:a16="http://schemas.microsoft.com/office/drawing/2014/main" id="{5E6FED57-3F09-7539-3DDF-A17C52F6AEFE}"/>
+              </a:ext>
+            </a:extLst>
+          </p:cNvPr>
+          <p:cNvPicPr>
+            <a:picLocks noChangeAspect="1"/>
+          </p:cNvPicPr>
+          <p:nvPr/>
+        </p:nvPicPr>
+        <p:blipFill>
+          <a:blip r:embed="rId7" cstate="print">
+            <a:extLst>
+              <a:ext uri="{28A0092B-C50C-407E-A947-70E740481C1C}">
+                <a14:useLocalDpi xmlns:a14="http://schemas.microsoft.com/office/drawing/2010/main" val="0"/>
+              </a:ext>
+            </a:extLst>
+          </a:blip>
+          <a:stretch>
+            <a:fillRect/>
+          </a:stretch>
+        </p:blipFill>
+        <p:spPr>
+          <a:xfrm>
+            <a:off x="7101258" y="999170"/>
+            <a:ext cx="4665273" cy="4859660"/>
+          </a:xfrm>
+          <a:prstGeom prst="rect">
+            <a:avLst/>
+          </a:prstGeom>
         </p:spPr>
       </p:pic>
     </p:spTree>
@@ -8429,11 +8421,11 @@
           <a:lstStyle/>
           <a:p>
             <a:r>
-              <a:rPr lang="en-US" sz="8000"/>
+              <a:rPr lang="en-US" sz="8000" dirty="0"/>
               <a:t>8. Automated </a:t>
             </a:r>
             <a:r>
-              <a:rPr lang="en-US" sz="7200"/>
+              <a:rPr lang="en-US" sz="7200" dirty="0"/>
               <a:t>Response</a:t>
             </a:r>
           </a:p>
@@ -8977,13 +8969,13 @@
           <a:lstStyle/>
           <a:p>
             <a:r>
-              <a:rPr lang="en-US" sz="1900"/>
+              <a:rPr lang="en-US" sz="1900" dirty="0"/>
               <a:t>First of all we will create an automation rule, which will trigger upon creation of an incident.</a:t>
             </a:r>
           </a:p>
           <a:p>
             <a:r>
-              <a:rPr lang="en-US" sz="1900"/>
+              <a:rPr lang="en-US" sz="1900" dirty="0"/>
               <a:t>This automation will call the playbook that we will be creating next.</a:t>
             </a:r>
           </a:p>
@@ -9199,8 +9191,8 @@
         </p:blipFill>
         <p:spPr>
           <a:xfrm>
-            <a:off x="4440066" y="207746"/>
-            <a:ext cx="7575705" cy="6454542"/>
+            <a:off x="-4419600" y="207746"/>
+            <a:ext cx="16435371" cy="14003026"/>
           </a:xfrm>
           <a:prstGeom prst="rect">
             <a:avLst/>
@@ -9576,8 +9568,16 @@
               </a:lnSpc>
             </a:pPr>
             <a:r>
-              <a:rPr lang="en-US" sz="1100"/>
-              <a:t>Due to restricted EDR tendencies and unavailability of Defender, I used the 3rd party integration ITAutomate.</a:t>
+              <a:rPr lang="en-US" sz="1100" dirty="0"/>
+              <a:t>Due to restricted EDR tendencies and unavailability of Defender, I used the 3rd party integration </a:t>
+            </a:r>
+            <a:r>
+              <a:rPr lang="en-US" sz="1100" dirty="0" err="1"/>
+              <a:t>ITAutomate</a:t>
+            </a:r>
+            <a:r>
+              <a:rPr lang="en-US" sz="1100" dirty="0"/>
+              <a:t>.</a:t>
             </a:r>
           </a:p>
           <a:p>
@@ -9589,7 +9589,7 @@
               <a:buChar char="-"/>
             </a:pPr>
             <a:r>
-              <a:rPr lang="en-US" sz="1100"/>
+              <a:rPr lang="en-US" sz="1100" dirty="0"/>
               <a:t>You need to configure the agent just like we do for any remote control tools.</a:t>
             </a:r>
           </a:p>
@@ -9602,7 +9602,7 @@
               <a:buChar char="-"/>
             </a:pPr>
             <a:r>
-              <a:rPr lang="en-US" sz="1100"/>
+              <a:rPr lang="en-US" sz="1100" dirty="0"/>
               <a:t>Create a script that will be executed on the Target Host</a:t>
             </a:r>
           </a:p>
@@ -9615,7 +9615,7 @@
               <a:buChar char="-"/>
             </a:pPr>
             <a:r>
-              <a:rPr lang="en-US" sz="1100"/>
+              <a:rPr lang="en-US" sz="1100" dirty="0"/>
               <a:t>Pass the name of the script and the target host to the logic app</a:t>
             </a:r>
           </a:p>
@@ -9713,49 +9713,6 @@
           </a:p>
         </p:txBody>
       </p:sp>
-      <p:pic>
-        <p:nvPicPr>
-          <p:cNvPr id="4" name="Picture 4" descr="Graphical user interface, application&#10;&#10;Description automatically generated">
-            <a:extLst>
-              <a:ext uri="{FF2B5EF4-FFF2-40B4-BE49-F238E27FC236}">
-                <a16:creationId xmlns:a16="http://schemas.microsoft.com/office/drawing/2014/main" id="{92FB5992-85FD-1A03-BE21-A1794F9F98C3}"/>
-              </a:ext>
-            </a:extLst>
-          </p:cNvPr>
-          <p:cNvPicPr>
-            <a:picLocks noChangeAspect="1"/>
-          </p:cNvPicPr>
-          <p:nvPr/>
-        </p:nvPicPr>
-        <p:blipFill rotWithShape="1">
-          <a:blip r:embed="rId2"/>
-          <a:srcRect r="7502" b="377"/>
-          <a:stretch/>
-        </p:blipFill>
-        <p:spPr>
-          <a:xfrm>
-            <a:off x="7307217" y="95802"/>
-            <a:ext cx="4705697" cy="3165642"/>
-          </a:xfrm>
-          <a:prstGeom prst="rect">
-            <a:avLst/>
-          </a:prstGeom>
-          <a:ln w="38100" cap="sq">
-            <a:solidFill>
-              <a:srgbClr val="000000"/>
-            </a:solidFill>
-            <a:prstDash val="solid"/>
-            <a:miter lim="800000"/>
-          </a:ln>
-          <a:effectLst>
-            <a:outerShdw blurRad="50800" dist="38100" dir="2700000" algn="tl" rotWithShape="0">
-              <a:srgbClr val="000000">
-                <a:alpha val="43000"/>
-              </a:srgbClr>
-            </a:outerShdw>
-          </a:effectLst>
-        </p:spPr>
-      </p:pic>
       <p:sp>
         <p:nvSpPr>
           <p:cNvPr id="18" name="Rectangle 17">
@@ -9867,15 +9824,15 @@
           <p:nvPr/>
         </p:nvPicPr>
         <p:blipFill>
-          <a:blip r:embed="rId3"/>
+          <a:blip r:embed="rId2"/>
           <a:stretch>
             <a:fillRect/>
           </a:stretch>
         </p:blipFill>
         <p:spPr>
           <a:xfrm>
-            <a:off x="4064021" y="104065"/>
-            <a:ext cx="3105682" cy="3165632"/>
+            <a:off x="4477368" y="104214"/>
+            <a:ext cx="3112216" cy="3172292"/>
           </a:xfrm>
           <a:prstGeom prst="rect">
             <a:avLst/>
@@ -9911,7 +9868,7 @@
           <p:nvPr/>
         </p:nvPicPr>
         <p:blipFill>
-          <a:blip r:embed="rId4"/>
+          <a:blip r:embed="rId3"/>
           <a:stretch>
             <a:fillRect/>
           </a:stretch>
@@ -9955,7 +9912,7 @@
           <p:nvPr/>
         </p:nvPicPr>
         <p:blipFill>
-          <a:blip r:embed="rId5"/>
+          <a:blip r:embed="rId4"/>
           <a:stretch>
             <a:fillRect/>
           </a:stretch>
@@ -9982,6 +9939,36 @@
               </a:srgbClr>
             </a:outerShdw>
           </a:effectLst>
+        </p:spPr>
+      </p:pic>
+      <p:pic>
+        <p:nvPicPr>
+          <p:cNvPr id="9" name="Picture 8">
+            <a:extLst>
+              <a:ext uri="{FF2B5EF4-FFF2-40B4-BE49-F238E27FC236}">
+                <a16:creationId xmlns:a16="http://schemas.microsoft.com/office/drawing/2014/main" id="{DE6CEF94-3D7D-C295-DB1D-C6B8B42F72DF}"/>
+              </a:ext>
+            </a:extLst>
+          </p:cNvPr>
+          <p:cNvPicPr>
+            <a:picLocks noChangeAspect="1"/>
+          </p:cNvPicPr>
+          <p:nvPr/>
+        </p:nvPicPr>
+        <p:blipFill>
+          <a:blip r:embed="rId5"/>
+          <a:stretch>
+            <a:fillRect/>
+          </a:stretch>
+        </p:blipFill>
+        <p:spPr>
+          <a:xfrm>
+            <a:off x="7684957" y="272724"/>
+            <a:ext cx="4405526" cy="2978912"/>
+          </a:xfrm>
+          <a:prstGeom prst="rect">
+            <a:avLst/>
+          </a:prstGeom>
         </p:spPr>
       </p:pic>
     </p:spTree>
@@ -10087,7 +10074,7 @@
               </a:rPr>
               <a:t>Azure Sentinel - Demo - AliAhmedDar.mp4</a:t>
             </a:r>
-            <a:endParaRPr lang="en-US" sz="1600">
+            <a:endParaRPr lang="en-US" sz="1600" dirty="0">
               <a:solidFill>
                 <a:schemeClr val="accent5"/>
               </a:solidFill>
@@ -10142,7 +10129,7 @@
               </a:rPr>
               <a:t>Azure Portal</a:t>
             </a:r>
-            <a:endParaRPr lang="en-US" sz="1600">
+            <a:endParaRPr lang="en-US" sz="1600" dirty="0">
               <a:solidFill>
                 <a:schemeClr val="accent5"/>
               </a:solidFill>
@@ -10179,7 +10166,7 @@
               </a:rPr>
               <a:t>Azure Regions</a:t>
             </a:r>
-            <a:endParaRPr lang="en-US" sz="1600">
+            <a:endParaRPr lang="en-US" sz="1600" dirty="0">
               <a:solidFill>
                 <a:schemeClr val="accent5"/>
               </a:solidFill>
@@ -10217,7 +10204,7 @@
               </a:rPr>
               <a:t>Azure Resource Group - Microsoft Learn</a:t>
             </a:r>
-            <a:endParaRPr lang="en-US" sz="1600">
+            <a:endParaRPr lang="en-US" sz="1600" dirty="0">
               <a:solidFill>
                 <a:schemeClr val="accent5"/>
               </a:solidFill>
@@ -10255,7 +10242,7 @@
               </a:rPr>
               <a:t>Azure Log Analytics Workspace - Microsoft Learn</a:t>
             </a:r>
-            <a:endParaRPr lang="en-US" sz="1600">
+            <a:endParaRPr lang="en-US" sz="1600" dirty="0">
               <a:solidFill>
                 <a:schemeClr val="accent5"/>
               </a:solidFill>
@@ -10293,7 +10280,7 @@
               </a:rPr>
               <a:t>Azure Sentinel Windows Data Connector - Microsoft Learn</a:t>
             </a:r>
-            <a:endParaRPr lang="en-US" sz="1600">
+            <a:endParaRPr lang="en-US" sz="1600" dirty="0">
               <a:solidFill>
                 <a:schemeClr val="accent5"/>
               </a:solidFill>
@@ -10331,7 +10318,7 @@
               </a:rPr>
               <a:t>Azure Sentinel Data Normalization with ASIM Parsers - Microsoft Learn</a:t>
             </a:r>
-            <a:endParaRPr lang="en-US" sz="1600">
+            <a:endParaRPr lang="en-US" sz="1600" dirty="0">
               <a:solidFill>
                 <a:schemeClr val="accent5"/>
               </a:solidFill>
@@ -10369,7 +10356,7 @@
               </a:rPr>
               <a:t>Kusto Query Language (KQL) - Microsoft Learn</a:t>
             </a:r>
-            <a:endParaRPr lang="en-US" sz="1600">
+            <a:endParaRPr lang="en-US" sz="1600" dirty="0">
               <a:solidFill>
                 <a:schemeClr val="accent5"/>
               </a:solidFill>
@@ -10407,7 +10394,7 @@
               </a:rPr>
               <a:t>Azure Sentinel Built-in Threat Detections - Microsoft Learn</a:t>
             </a:r>
-            <a:endParaRPr lang="en-US" sz="1600">
+            <a:endParaRPr lang="en-US" sz="1600" dirty="0">
               <a:solidFill>
                 <a:schemeClr val="accent5"/>
               </a:solidFill>
@@ -10445,7 +10432,7 @@
               </a:rPr>
               <a:t>Azure Sentinel Custom Threat Detections - Microsoft Learn</a:t>
             </a:r>
-            <a:endParaRPr lang="en-US" sz="1600">
+            <a:endParaRPr lang="en-US" sz="1600" dirty="0">
               <a:solidFill>
                 <a:schemeClr val="accent5"/>
               </a:solidFill>
@@ -10543,7 +10530,7 @@
               </a:rPr>
               <a:t>Azure Sentinel Playbooks - Microsoft Learn</a:t>
             </a:r>
-            <a:endParaRPr lang="en-US" sz="1600">
+            <a:endParaRPr lang="en-US" sz="1600" dirty="0">
               <a:solidFill>
                 <a:schemeClr val="accent5"/>
               </a:solidFill>
@@ -11720,17 +11707,17 @@
               </a:lnSpc>
             </a:pPr>
             <a:r>
-              <a:rPr lang="en-US" sz="1300"/>
+              <a:rPr lang="en-US" sz="1300" dirty="0"/>
               <a:t>First of all, you will need an </a:t>
             </a:r>
             <a:r>
-              <a:rPr lang="en-US" sz="1300">
+              <a:rPr lang="en-US" sz="1300" dirty="0">
                 <a:hlinkClick r:id="rId2"/>
               </a:rPr>
               <a:t>azure subscription</a:t>
             </a:r>
             <a:r>
-              <a:rPr lang="en-US" sz="1300"/>
+              <a:rPr lang="en-US" sz="1300" dirty="0"/>
               <a:t> under which you will be setting up all your resources.</a:t>
             </a:r>
           </a:p>
@@ -11741,7 +11728,7 @@
               </a:lnSpc>
             </a:pPr>
             <a:r>
-              <a:rPr lang="en-US" sz="1300"/>
+              <a:rPr lang="en-US" sz="1300" dirty="0"/>
               <a:t>(They do offer a free trial and some free dollars for a limited period of time, so avail that for learning and testing stuff)</a:t>
             </a:r>
           </a:p>
@@ -11981,10 +11968,10 @@
       </p:sp>
       <p:pic>
         <p:nvPicPr>
-          <p:cNvPr id="5" name="Picture 6" descr="Graphical user interface, application&#10;&#10;Description automatically generated">
-            <a:extLst>
-              <a:ext uri="{FF2B5EF4-FFF2-40B4-BE49-F238E27FC236}">
-                <a16:creationId xmlns:a16="http://schemas.microsoft.com/office/drawing/2014/main" id="{751207FB-DF99-8ECD-F95F-DA1D2844553B}"/>
+          <p:cNvPr id="7" name="Picture 6">
+            <a:extLst>
+              <a:ext uri="{FF2B5EF4-FFF2-40B4-BE49-F238E27FC236}">
+                <a16:creationId xmlns:a16="http://schemas.microsoft.com/office/drawing/2014/main" id="{32E13E1F-35C0-3E49-DAA8-ABE9F4141568}"/>
               </a:ext>
             </a:extLst>
           </p:cNvPr>
@@ -11994,33 +11981,25 @@
           <p:nvPr/>
         </p:nvPicPr>
         <p:blipFill>
-          <a:blip r:embed="rId4"/>
+          <a:blip r:embed="rId4">
+            <a:extLst>
+              <a:ext uri="{28A0092B-C50C-407E-A947-70E740481C1C}">
+                <a14:useLocalDpi xmlns:a14="http://schemas.microsoft.com/office/drawing/2010/main" val="0"/>
+              </a:ext>
+            </a:extLst>
+          </a:blip>
           <a:stretch>
             <a:fillRect/>
           </a:stretch>
         </p:blipFill>
         <p:spPr>
           <a:xfrm>
-            <a:off x="6671469" y="699958"/>
-            <a:ext cx="4930420" cy="5514526"/>
+            <a:off x="6557110" y="625683"/>
+            <a:ext cx="5345564" cy="5967141"/>
           </a:xfrm>
           <a:prstGeom prst="rect">
             <a:avLst/>
           </a:prstGeom>
-          <a:ln w="38100" cap="sq">
-            <a:solidFill>
-              <a:srgbClr val="000000"/>
-            </a:solidFill>
-            <a:prstDash val="solid"/>
-            <a:miter lim="800000"/>
-          </a:ln>
-          <a:effectLst>
-            <a:outerShdw blurRad="50800" dist="38100" dir="2700000" algn="tl" rotWithShape="0">
-              <a:srgbClr val="000000">
-                <a:alpha val="43000"/>
-              </a:srgbClr>
-            </a:outerShdw>
-          </a:effectLst>
         </p:spPr>
       </p:pic>
     </p:spTree>
@@ -12378,17 +12357,17 @@
               </a:lnSpc>
             </a:pPr>
             <a:r>
-              <a:rPr lang="en-US" sz="1200"/>
+              <a:rPr lang="en-US" sz="1200" dirty="0"/>
               <a:t>Now the first real environment/tool we will create is a </a:t>
             </a:r>
             <a:r>
-              <a:rPr lang="en-US" sz="1200">
+              <a:rPr lang="en-US" sz="1200" dirty="0">
                 <a:hlinkClick r:id="rId2"/>
               </a:rPr>
               <a:t>resource group</a:t>
             </a:r>
             <a:r>
-              <a:rPr lang="en-US" sz="1200"/>
+              <a:rPr lang="en-US" sz="1200" dirty="0"/>
               <a:t>, which is a container that holds related resources for an Azure solution.</a:t>
             </a:r>
           </a:p>
@@ -12399,7 +12378,7 @@
               </a:lnSpc>
             </a:pPr>
             <a:r>
-              <a:rPr lang="en-US" sz="1200"/>
+              <a:rPr lang="en-US" sz="1200" dirty="0"/>
               <a:t>This basically requires very little information</a:t>
             </a:r>
           </a:p>
@@ -12411,7 +12390,7 @@
               <a:buChar char="•"/>
             </a:pPr>
             <a:r>
-              <a:rPr lang="en-US" sz="1200"/>
+              <a:rPr lang="en-US" sz="1200" dirty="0"/>
               <a:t>The subscription (that we already created)</a:t>
             </a:r>
           </a:p>
@@ -12423,7 +12402,7 @@
               <a:buChar char="•"/>
             </a:pPr>
             <a:r>
-              <a:rPr lang="en-US" sz="1200"/>
+              <a:rPr lang="en-US" sz="1200" dirty="0"/>
               <a:t>The name for the resource group (as per your choice)</a:t>
             </a:r>
           </a:p>
@@ -12435,17 +12414,17 @@
               <a:buChar char="•"/>
             </a:pPr>
             <a:r>
-              <a:rPr lang="en-US" sz="1200"/>
+              <a:rPr lang="en-US" sz="1200" dirty="0"/>
               <a:t>The </a:t>
             </a:r>
             <a:r>
-              <a:rPr lang="en-US" sz="1200">
+              <a:rPr lang="en-US" sz="1200" dirty="0">
                 <a:hlinkClick r:id="rId3"/>
               </a:rPr>
               <a:t>geographical region</a:t>
             </a:r>
             <a:r>
-              <a:rPr lang="en-US" sz="1200"/>
+              <a:rPr lang="en-US" sz="1200" dirty="0"/>
               <a:t> (select from the list as per the requirement)</a:t>
             </a:r>
           </a:p>
@@ -13042,17 +13021,17 @@
               </a:lnSpc>
             </a:pPr>
             <a:r>
-              <a:rPr lang="en-US" sz="1400"/>
+              <a:rPr lang="en-US" sz="1400" dirty="0"/>
               <a:t>The next step is to </a:t>
             </a:r>
             <a:r>
-              <a:rPr lang="en-US" sz="1400">
+              <a:rPr lang="en-US" sz="1400" dirty="0">
                 <a:hlinkClick r:id="rId2"/>
               </a:rPr>
               <a:t>create a workspace</a:t>
             </a:r>
             <a:r>
-              <a:rPr lang="en-US" sz="1400"/>
+              <a:rPr lang="en-US" sz="1400" dirty="0"/>
               <a:t> in which we will be deploying out sentinel.</a:t>
             </a:r>
           </a:p>
@@ -13063,7 +13042,7 @@
               </a:lnSpc>
             </a:pPr>
             <a:r>
-              <a:rPr lang="en-US" sz="1400"/>
+              <a:rPr lang="en-US" sz="1400" dirty="0"/>
               <a:t>This step also requires information about the resources which are above in the hierarchy.</a:t>
             </a:r>
           </a:p>
@@ -13651,13 +13630,13 @@
           <a:lstStyle/>
           <a:p>
             <a:r>
-              <a:rPr lang="en-US" sz="2400"/>
+              <a:rPr lang="en-US" sz="2400" dirty="0"/>
               <a:t>The next step is to deploy sentinel in the log analytics workspace that you have created.</a:t>
             </a:r>
           </a:p>
           <a:p>
             <a:r>
-              <a:rPr lang="en-US" sz="2400"/>
+              <a:rPr lang="en-US" sz="2400" dirty="0"/>
               <a:t>And you'll have your sentinel solution up &amp; running in a few seconds.</a:t>
             </a:r>
           </a:p>
@@ -13755,50 +13734,6 @@
           </a:p>
         </p:txBody>
       </p:sp>
-      <p:pic>
-        <p:nvPicPr>
-          <p:cNvPr id="4" name="Picture 4" descr="Graphical user interface, text, application, email&#10;&#10;Description automatically generated">
-            <a:extLst>
-              <a:ext uri="{FF2B5EF4-FFF2-40B4-BE49-F238E27FC236}">
-                <a16:creationId xmlns:a16="http://schemas.microsoft.com/office/drawing/2014/main" id="{047DD9A1-3D8D-7F01-AD23-8F91BE53095F}"/>
-              </a:ext>
-            </a:extLst>
-          </p:cNvPr>
-          <p:cNvPicPr>
-            <a:picLocks noChangeAspect="1"/>
-          </p:cNvPicPr>
-          <p:nvPr/>
-        </p:nvPicPr>
-        <p:blipFill>
-          <a:blip r:embed="rId2"/>
-          <a:stretch>
-            <a:fillRect/>
-          </a:stretch>
-        </p:blipFill>
-        <p:spPr>
-          <a:xfrm>
-            <a:off x="4843663" y="888107"/>
-            <a:ext cx="3581291" cy="2428898"/>
-          </a:xfrm>
-          <a:prstGeom prst="rect">
-            <a:avLst/>
-          </a:prstGeom>
-          <a:ln w="38100" cap="sq">
-            <a:solidFill>
-              <a:srgbClr val="000000"/>
-            </a:solidFill>
-            <a:prstDash val="solid"/>
-            <a:miter lim="800000"/>
-          </a:ln>
-          <a:effectLst>
-            <a:outerShdw blurRad="50800" dist="38100" dir="2700000" algn="tl" rotWithShape="0">
-              <a:srgbClr val="000000">
-                <a:alpha val="43000"/>
-              </a:srgbClr>
-            </a:outerShdw>
-          </a:effectLst>
-        </p:spPr>
-      </p:pic>
       <p:sp>
         <p:nvSpPr>
           <p:cNvPr id="31" name="Rectangle 30">
@@ -13910,7 +13845,7 @@
           <p:nvPr/>
         </p:nvPicPr>
         <p:blipFill>
-          <a:blip r:embed="rId3"/>
+          <a:blip r:embed="rId2"/>
           <a:stretch>
             <a:fillRect/>
           </a:stretch>
@@ -13954,7 +13889,7 @@
           <p:nvPr/>
         </p:nvPicPr>
         <p:blipFill>
-          <a:blip r:embed="rId4"/>
+          <a:blip r:embed="rId3"/>
           <a:stretch>
             <a:fillRect/>
           </a:stretch>
@@ -13981,6 +13916,66 @@
               </a:srgbClr>
             </a:outerShdw>
           </a:effectLst>
+        </p:spPr>
+      </p:pic>
+      <p:pic>
+        <p:nvPicPr>
+          <p:cNvPr id="1026" name="Picture 2">
+            <a:extLst>
+              <a:ext uri="{FF2B5EF4-FFF2-40B4-BE49-F238E27FC236}">
+                <a16:creationId xmlns:a16="http://schemas.microsoft.com/office/drawing/2014/main" id="{08BB1A5B-618E-171E-61DB-C8BE54D0AAA9}"/>
+              </a:ext>
+            </a:extLst>
+          </p:cNvPr>
+          <p:cNvPicPr>
+            <a:picLocks noChangeAspect="1" noChangeArrowheads="1"/>
+          </p:cNvPicPr>
+          <p:nvPr/>
+        </p:nvPicPr>
+        <p:blipFill>
+          <a:blip r:embed="rId4">
+            <a:extLst>
+              <a:ext uri="{28A0092B-C50C-407E-A947-70E740481C1C}">
+                <a14:useLocalDpi xmlns:a14="http://schemas.microsoft.com/office/drawing/2010/main" val="0"/>
+              </a:ext>
+            </a:extLst>
+          </a:blip>
+          <a:srcRect/>
+          <a:stretch>
+            <a:fillRect/>
+          </a:stretch>
+        </p:blipFill>
+        <p:spPr bwMode="auto">
+          <a:xfrm>
+            <a:off x="4835011" y="826770"/>
+            <a:ext cx="3594763" cy="2449179"/>
+          </a:xfrm>
+          <a:prstGeom prst="rect">
+            <a:avLst/>
+          </a:prstGeom>
+          <a:ln w="38100" cap="sq">
+            <a:solidFill>
+              <a:srgbClr val="000000"/>
+            </a:solidFill>
+            <a:prstDash val="solid"/>
+            <a:miter lim="800000"/>
+          </a:ln>
+          <a:effectLst>
+            <a:outerShdw blurRad="50800" dist="38100" dir="2700000" algn="tl" rotWithShape="0">
+              <a:srgbClr val="000000">
+                <a:alpha val="43000"/>
+              </a:srgbClr>
+            </a:outerShdw>
+          </a:effectLst>
+          <a:extLst>
+            <a:ext uri="{909E8E84-426E-40DD-AFC4-6F175D3DCCD1}">
+              <a14:hiddenFill xmlns:a14="http://schemas.microsoft.com/office/drawing/2010/main">
+                <a:solidFill>
+                  <a:srgbClr val="FFFFFF"/>
+                </a:solidFill>
+              </a14:hiddenFill>
+            </a:ext>
+          </a:extLst>
         </p:spPr>
       </p:pic>
     </p:spTree>
@@ -14851,17 +14846,17 @@
               </a:lnSpc>
             </a:pPr>
             <a:r>
-              <a:rPr lang="en-US" sz="1300"/>
+              <a:rPr lang="en-US" sz="1300" dirty="0"/>
               <a:t>In the left pane in sentinel, you can see a </a:t>
             </a:r>
             <a:r>
-              <a:rPr lang="en-US" sz="1300">
+              <a:rPr lang="en-US" sz="1300" dirty="0">
                 <a:hlinkClick r:id="rId2"/>
               </a:rPr>
               <a:t>Connectors</a:t>
             </a:r>
             <a:r>
-              <a:rPr lang="en-US" sz="1300"/>
+              <a:rPr lang="en-US" sz="1300" dirty="0"/>
               <a:t> tab, which you can use to start ingesting your data into Microsoft Sentinel.</a:t>
             </a:r>
           </a:p>
@@ -14872,27 +14867,27 @@
               </a:lnSpc>
             </a:pPr>
             <a:r>
-              <a:rPr lang="en-US" sz="1300"/>
+              <a:rPr lang="en-US" sz="1300" dirty="0"/>
               <a:t>From among the several </a:t>
             </a:r>
             <a:r>
-              <a:rPr lang="en-US" sz="1300">
+              <a:rPr lang="en-US" sz="1300" dirty="0">
                 <a:hlinkClick r:id="rId3"/>
               </a:rPr>
               <a:t>types</a:t>
             </a:r>
             <a:r>
-              <a:rPr lang="en-US" sz="1300"/>
+              <a:rPr lang="en-US" sz="1300" dirty="0"/>
               <a:t>, we will select </a:t>
             </a:r>
             <a:r>
-              <a:rPr lang="en-US" sz="1300">
+              <a:rPr lang="en-US" sz="1300" dirty="0">
                 <a:hlinkClick r:id="rId4"/>
               </a:rPr>
               <a:t>Microsoft Windows Connector</a:t>
             </a:r>
             <a:r>
-              <a:rPr lang="en-US" sz="1300"/>
+              <a:rPr lang="en-US" sz="1300" dirty="0"/>
               <a:t> for this demo and enable it.</a:t>
             </a:r>
           </a:p>
@@ -14990,50 +14985,6 @@
           </a:p>
         </p:txBody>
       </p:sp>
-      <p:pic>
-        <p:nvPicPr>
-          <p:cNvPr id="4" name="Picture 4" descr="Graphical user interface, text, application, email&#10;&#10;Description automatically generated">
-            <a:extLst>
-              <a:ext uri="{FF2B5EF4-FFF2-40B4-BE49-F238E27FC236}">
-                <a16:creationId xmlns:a16="http://schemas.microsoft.com/office/drawing/2014/main" id="{2F8F0B54-8DC2-FEA4-8EAE-5BCBDD9FF996}"/>
-              </a:ext>
-            </a:extLst>
-          </p:cNvPr>
-          <p:cNvPicPr>
-            <a:picLocks noChangeAspect="1"/>
-          </p:cNvPicPr>
-          <p:nvPr/>
-        </p:nvPicPr>
-        <p:blipFill>
-          <a:blip r:embed="rId5"/>
-          <a:stretch>
-            <a:fillRect/>
-          </a:stretch>
-        </p:blipFill>
-        <p:spPr>
-          <a:xfrm>
-            <a:off x="6091624" y="216555"/>
-            <a:ext cx="5826704" cy="3077090"/>
-          </a:xfrm>
-          <a:prstGeom prst="rect">
-            <a:avLst/>
-          </a:prstGeom>
-          <a:ln w="38100" cap="sq">
-            <a:solidFill>
-              <a:srgbClr val="000000"/>
-            </a:solidFill>
-            <a:prstDash val="solid"/>
-            <a:miter lim="800000"/>
-          </a:ln>
-          <a:effectLst>
-            <a:outerShdw blurRad="50800" dist="38100" dir="2700000" algn="tl" rotWithShape="0">
-              <a:srgbClr val="000000">
-                <a:alpha val="43000"/>
-              </a:srgbClr>
-            </a:outerShdw>
-          </a:effectLst>
-        </p:spPr>
-      </p:pic>
       <p:sp>
         <p:nvSpPr>
           <p:cNvPr id="19" name="Rectangle 18">
@@ -15145,14 +15096,64 @@
           <p:nvPr/>
         </p:nvPicPr>
         <p:blipFill rotWithShape="1">
-          <a:blip r:embed="rId6"/>
+          <a:blip r:embed="rId5"/>
           <a:srcRect l="904" r="6440" b="25000"/>
           <a:stretch/>
         </p:blipFill>
         <p:spPr>
           <a:xfrm>
-            <a:off x="6096002" y="3644477"/>
-            <a:ext cx="5855453" cy="2955266"/>
+            <a:off x="6208183" y="3701095"/>
+            <a:ext cx="5743272" cy="2898648"/>
+          </a:xfrm>
+          <a:prstGeom prst="rect">
+            <a:avLst/>
+          </a:prstGeom>
+          <a:ln w="38100" cap="sq">
+            <a:solidFill>
+              <a:srgbClr val="000000"/>
+            </a:solidFill>
+            <a:prstDash val="solid"/>
+            <a:miter lim="800000"/>
+          </a:ln>
+          <a:effectLst>
+            <a:outerShdw blurRad="50800" dist="38100" dir="2700000" algn="tl" rotWithShape="0">
+              <a:srgbClr val="000000">
+                <a:alpha val="43000"/>
+              </a:srgbClr>
+            </a:outerShdw>
+          </a:effectLst>
+        </p:spPr>
+      </p:pic>
+      <p:pic>
+        <p:nvPicPr>
+          <p:cNvPr id="7" name="Picture 6">
+            <a:extLst>
+              <a:ext uri="{FF2B5EF4-FFF2-40B4-BE49-F238E27FC236}">
+                <a16:creationId xmlns:a16="http://schemas.microsoft.com/office/drawing/2014/main" id="{F9BA8B81-B669-03C9-8478-E55F222EE7A8}"/>
+              </a:ext>
+            </a:extLst>
+          </p:cNvPr>
+          <p:cNvPicPr>
+            <a:picLocks noChangeAspect="1"/>
+          </p:cNvPicPr>
+          <p:nvPr/>
+        </p:nvPicPr>
+        <p:blipFill>
+          <a:blip r:embed="rId6">
+            <a:extLst>
+              <a:ext uri="{28A0092B-C50C-407E-A947-70E740481C1C}">
+                <a14:useLocalDpi xmlns:a14="http://schemas.microsoft.com/office/drawing/2010/main" val="0"/>
+              </a:ext>
+            </a:extLst>
+          </a:blip>
+          <a:stretch>
+            <a:fillRect/>
+          </a:stretch>
+        </p:blipFill>
+        <p:spPr>
+          <a:xfrm>
+            <a:off x="6261851" y="147345"/>
+            <a:ext cx="5689601" cy="3334739"/>
           </a:xfrm>
           <a:prstGeom prst="rect">
             <a:avLst/>
@@ -15388,15 +15389,12 @@
 </file>
 
 <file path=customXml/item1.xml><?xml version="1.0" encoding="utf-8"?>
-<p:properties xmlns:p="http://schemas.microsoft.com/office/2006/metadata/properties" xmlns:xsi="http://www.w3.org/2001/XMLSchema-instance" xmlns:pc="http://schemas.microsoft.com/office/infopath/2007/PartnerControls">
-  <documentManagement>
-    <lcf76f155ced4ddcb4097134ff3c332f xmlns="39eaf3af-c2dc-4fa9-a207-41e51af64754">
-      <Terms xmlns="http://schemas.microsoft.com/office/infopath/2007/PartnerControls"/>
-    </lcf76f155ced4ddcb4097134ff3c332f>
-    <TaxCatchAll xmlns="61ac23f7-b704-4dc0-aa71-5f8200ee71f0" xsi:nil="true"/>
-    <_Flow_SignoffStatus xmlns="39eaf3af-c2dc-4fa9-a207-41e51af64754" xsi:nil="true"/>
-  </documentManagement>
-</p:properties>
+<?mso-contentType ?>
+<FormTemplates xmlns="http://schemas.microsoft.com/sharepoint/v3/contenttype/forms">
+  <Display>DocumentLibraryForm</Display>
+  <Edit>DocumentLibraryForm</Edit>
+  <New>DocumentLibraryForm</New>
+</FormTemplates>
 </file>
 
 <file path=customXml/item2.xml><?xml version="1.0" encoding="utf-8"?>
@@ -15631,21 +15629,21 @@
 </file>
 
 <file path=customXml/item3.xml><?xml version="1.0" encoding="utf-8"?>
-<?mso-contentType ?>
-<FormTemplates xmlns="http://schemas.microsoft.com/sharepoint/v3/contenttype/forms">
-  <Display>DocumentLibraryForm</Display>
-  <Edit>DocumentLibraryForm</Edit>
-  <New>DocumentLibraryForm</New>
-</FormTemplates>
+<p:properties xmlns:p="http://schemas.microsoft.com/office/2006/metadata/properties" xmlns:xsi="http://www.w3.org/2001/XMLSchema-instance" xmlns:pc="http://schemas.microsoft.com/office/infopath/2007/PartnerControls">
+  <documentManagement>
+    <lcf76f155ced4ddcb4097134ff3c332f xmlns="39eaf3af-c2dc-4fa9-a207-41e51af64754">
+      <Terms xmlns="http://schemas.microsoft.com/office/infopath/2007/PartnerControls"/>
+    </lcf76f155ced4ddcb4097134ff3c332f>
+    <TaxCatchAll xmlns="61ac23f7-b704-4dc0-aa71-5f8200ee71f0" xsi:nil="true"/>
+    <_Flow_SignoffStatus xmlns="39eaf3af-c2dc-4fa9-a207-41e51af64754" xsi:nil="true"/>
+  </documentManagement>
+</p:properties>
 </file>
 
 <file path=customXml/itemProps1.xml><?xml version="1.0" encoding="utf-8"?>
-<ds:datastoreItem xmlns:ds="http://schemas.openxmlformats.org/officeDocument/2006/customXml" ds:itemID="{4C9E1422-6B0E-4054-9C77-1EC7A20A2F50}">
+<ds:datastoreItem xmlns:ds="http://schemas.openxmlformats.org/officeDocument/2006/customXml" ds:itemID="{BD7C3978-6C30-4A71-B4FE-D16F56A48192}">
   <ds:schemaRefs>
-    <ds:schemaRef ds:uri="http://schemas.microsoft.com/office/2006/metadata/properties"/>
-    <ds:schemaRef ds:uri="http://schemas.microsoft.com/office/infopath/2007/PartnerControls"/>
-    <ds:schemaRef ds:uri="39eaf3af-c2dc-4fa9-a207-41e51af64754"/>
-    <ds:schemaRef ds:uri="61ac23f7-b704-4dc0-aa71-5f8200ee71f0"/>
+    <ds:schemaRef ds:uri="http://schemas.microsoft.com/sharepoint/v3/contenttype/forms"/>
   </ds:schemaRefs>
 </ds:datastoreItem>
 </file>
@@ -15670,9 +15668,12 @@
 </file>
 
 <file path=customXml/itemProps3.xml><?xml version="1.0" encoding="utf-8"?>
-<ds:datastoreItem xmlns:ds="http://schemas.openxmlformats.org/officeDocument/2006/customXml" ds:itemID="{BD7C3978-6C30-4A71-B4FE-D16F56A48192}">
+<ds:datastoreItem xmlns:ds="http://schemas.openxmlformats.org/officeDocument/2006/customXml" ds:itemID="{4C9E1422-6B0E-4054-9C77-1EC7A20A2F50}">
   <ds:schemaRefs>
-    <ds:schemaRef ds:uri="http://schemas.microsoft.com/sharepoint/v3/contenttype/forms"/>
+    <ds:schemaRef ds:uri="http://schemas.microsoft.com/office/2006/metadata/properties"/>
+    <ds:schemaRef ds:uri="http://schemas.microsoft.com/office/infopath/2007/PartnerControls"/>
+    <ds:schemaRef ds:uri="39eaf3af-c2dc-4fa9-a207-41e51af64754"/>
+    <ds:schemaRef ds:uri="61ac23f7-b704-4dc0-aa71-5f8200ee71f0"/>
   </ds:schemaRefs>
 </ds:datastoreItem>
 </file>